--- a/fuentes/contenidos/grado10/guion04/CN_10_04.pptx
+++ b/fuentes/contenidos/grado10/guion04/CN_10_04.pptx
@@ -461,7 +461,7 @@
           <a:p>
             <a:fld id="{5001C876-01F7-4317-94B9-1AE222133113}" type="datetimeFigureOut">
               <a:rPr lang="es-ES" smtClean="0"/>
-              <a:t>14/09/15</a:t>
+              <a:t>22/09/15</a:t>
             </a:fld>
             <a:endParaRPr lang="es-ES"/>
           </a:p>
@@ -1331,84 +1331,13 @@
       </p:sp>
       <p:sp>
         <p:nvSpPr>
-          <p:cNvPr id="146" name="Rectángulo 43"/>
-          <p:cNvSpPr/>
-          <p:nvPr/>
-        </p:nvSpPr>
-        <p:spPr>
-          <a:xfrm>
-            <a:off x="3648223" y="2419464"/>
-            <a:ext cx="655000" cy="256669"/>
-          </a:xfrm>
-          <a:prstGeom prst="rect">
-            <a:avLst/>
-          </a:prstGeom>
-          <a:solidFill>
-            <a:schemeClr val="bg2">
-              <a:lumMod val="50000"/>
-            </a:schemeClr>
-          </a:solidFill>
-          <a:ln>
-            <a:solidFill>
-              <a:schemeClr val="tx1"/>
-            </a:solidFill>
-          </a:ln>
-        </p:spPr>
-        <p:style>
-          <a:lnRef idx="2">
-            <a:schemeClr val="accent6"/>
-          </a:lnRef>
-          <a:fillRef idx="1">
-            <a:schemeClr val="lt1"/>
-          </a:fillRef>
-          <a:effectRef idx="0">
-            <a:schemeClr val="accent6"/>
-          </a:effectRef>
-          <a:fontRef idx="minor">
-            <a:schemeClr val="dk1"/>
-          </a:fontRef>
-        </p:style>
-        <p:txBody>
-          <a:bodyPr rtlCol="0" anchor="ctr"/>
-          <a:lstStyle/>
-          <a:p>
-            <a:pPr algn="ctr"/>
-            <a:endParaRPr lang="es-ES" sz="1600" baseline="30000" dirty="0" smtClean="0">
-              <a:solidFill>
-                <a:schemeClr val="bg1"/>
-              </a:solidFill>
-            </a:endParaRPr>
-          </a:p>
-          <a:p>
-            <a:pPr algn="ctr"/>
-            <a:r>
-              <a:rPr lang="es-ES" sz="1600" baseline="30000" dirty="0">
-                <a:solidFill>
-                  <a:schemeClr val="bg1"/>
-                </a:solidFill>
-              </a:rPr>
-              <a:t>p</a:t>
-            </a:r>
-            <a:r>
-              <a:rPr lang="es-ES" sz="1600" baseline="30000" dirty="0" smtClean="0">
-                <a:solidFill>
-                  <a:schemeClr val="bg1"/>
-                </a:solidFill>
-              </a:rPr>
-              <a:t>eso</a:t>
-            </a:r>
-          </a:p>
-        </p:txBody>
-      </p:sp>
-      <p:sp>
-        <p:nvSpPr>
           <p:cNvPr id="154" name="Rectángulo 43"/>
           <p:cNvSpPr/>
           <p:nvPr/>
         </p:nvSpPr>
         <p:spPr>
           <a:xfrm>
-            <a:off x="1053354" y="3008926"/>
+            <a:off x="2554177" y="3722688"/>
             <a:ext cx="841997" cy="518746"/>
           </a:xfrm>
           <a:prstGeom prst="rect">
@@ -1596,90 +1525,6 @@
       </p:sp>
       <p:sp>
         <p:nvSpPr>
-          <p:cNvPr id="452" name="Rectángulo 71"/>
-          <p:cNvSpPr/>
-          <p:nvPr/>
-        </p:nvSpPr>
-        <p:spPr>
-          <a:xfrm>
-            <a:off x="2579991" y="2313489"/>
-            <a:ext cx="797821" cy="406163"/>
-          </a:xfrm>
-          <a:prstGeom prst="rect">
-            <a:avLst/>
-          </a:prstGeom>
-          <a:solidFill>
-            <a:schemeClr val="bg2">
-              <a:lumMod val="50000"/>
-            </a:schemeClr>
-          </a:solidFill>
-          <a:ln>
-            <a:solidFill>
-              <a:schemeClr val="tx1"/>
-            </a:solidFill>
-          </a:ln>
-        </p:spPr>
-        <p:style>
-          <a:lnRef idx="2">
-            <a:schemeClr val="accent6"/>
-          </a:lnRef>
-          <a:fillRef idx="1">
-            <a:schemeClr val="lt1"/>
-          </a:fillRef>
-          <a:effectRef idx="0">
-            <a:schemeClr val="accent6"/>
-          </a:effectRef>
-          <a:fontRef idx="minor">
-            <a:schemeClr val="dk1"/>
-          </a:fontRef>
-        </p:style>
-        <p:txBody>
-          <a:bodyPr rtlCol="0" anchor="ctr"/>
-          <a:lstStyle/>
-          <a:p>
-            <a:pPr algn="ctr"/>
-            <a:r>
-              <a:rPr lang="es-CO" sz="1100" dirty="0">
-                <a:solidFill>
-                  <a:schemeClr val="bg1"/>
-                </a:solidFill>
-              </a:rPr>
-              <a:t>f</a:t>
-            </a:r>
-            <a:r>
-              <a:rPr lang="es-CO" sz="1100" dirty="0" smtClean="0">
-                <a:solidFill>
-                  <a:schemeClr val="bg1"/>
-                </a:solidFill>
-              </a:rPr>
-              <a:t>uerza </a:t>
-            </a:r>
-            <a:r>
-              <a:rPr lang="es-CO" sz="1100" dirty="0">
-                <a:solidFill>
-                  <a:schemeClr val="bg1"/>
-                </a:solidFill>
-              </a:rPr>
-              <a:t>a</a:t>
-            </a:r>
-            <a:r>
-              <a:rPr lang="es-CO" sz="1100" dirty="0" smtClean="0">
-                <a:solidFill>
-                  <a:schemeClr val="bg1"/>
-                </a:solidFill>
-              </a:rPr>
-              <a:t>plicada</a:t>
-            </a:r>
-            <a:endParaRPr lang="es-ES" sz="1100" dirty="0">
-              <a:solidFill>
-                <a:schemeClr val="bg1"/>
-              </a:solidFill>
-            </a:endParaRPr>
-          </a:p>
-        </p:txBody>
-      </p:sp>
-      <p:sp>
-        <p:nvSpPr>
           <p:cNvPr id="594" name="Rectángulo 43"/>
           <p:cNvSpPr/>
           <p:nvPr/>
@@ -2333,7 +2178,7 @@
         <p:spPr>
           <a:xfrm>
             <a:off x="1814879" y="1680184"/>
-            <a:ext cx="945376" cy="230137"/>
+            <a:ext cx="756461" cy="230832"/>
           </a:xfrm>
           <a:prstGeom prst="rect">
             <a:avLst/>
@@ -2427,43 +2272,32 @@
       </p:cxnSp>
       <p:sp>
         <p:nvSpPr>
-          <p:cNvPr id="580" name="Rectángulo 579"/>
+          <p:cNvPr id="584" name="Rectángulo 583"/>
           <p:cNvSpPr/>
           <p:nvPr/>
         </p:nvSpPr>
         <p:spPr>
           <a:xfrm>
-            <a:off x="788022" y="3907029"/>
-            <a:ext cx="332059" cy="319369"/>
+            <a:off x="7422278" y="4022142"/>
+            <a:ext cx="911966" cy="415578"/>
           </a:xfrm>
           <a:prstGeom prst="rect">
             <a:avLst/>
           </a:prstGeom>
-          <a:solidFill>
-            <a:schemeClr val="bg2">
-              <a:lumMod val="50000"/>
-            </a:schemeClr>
-          </a:solidFill>
-          <a:ln>
-            <a:solidFill>
-              <a:schemeClr val="tx1"/>
-            </a:solidFill>
-          </a:ln>
+          <a:ln w="3175"/>
         </p:spPr>
         <p:style>
           <a:lnRef idx="2">
-            <a:schemeClr val="accent1">
-              <a:shade val="50000"/>
-            </a:schemeClr>
+            <a:schemeClr val="dk1"/>
           </a:lnRef>
           <a:fillRef idx="1">
-            <a:schemeClr val="accent1"/>
-          </a:fillRef>
-          <a:effectRef idx="0">
-            <a:schemeClr val="accent1"/>
-          </a:effectRef>
-          <a:fontRef idx="minor">
             <a:schemeClr val="lt1"/>
+          </a:fillRef>
+          <a:effectRef idx="0">
+            <a:schemeClr val="dk1"/>
+          </a:effectRef>
+          <a:fontRef idx="minor">
+            <a:schemeClr val="dk1"/>
           </a:fontRef>
         </p:style>
         <p:txBody>
@@ -2472,51 +2306,20 @@
           <a:p>
             <a:pPr algn="ctr"/>
             <a:r>
-              <a:rPr lang="es-CO" sz="1100" dirty="0"/>
-              <a:t>I</a:t>
-            </a:r>
-            <a:endParaRPr lang="pt-BR" sz="1100" dirty="0"/>
-          </a:p>
-        </p:txBody>
-      </p:sp>
-      <p:sp>
-        <p:nvSpPr>
-          <p:cNvPr id="584" name="Rectángulo 583"/>
-          <p:cNvSpPr/>
-          <p:nvPr/>
-        </p:nvSpPr>
-        <p:spPr>
-          <a:xfrm>
-            <a:off x="7422278" y="4022142"/>
-            <a:ext cx="911966" cy="415578"/>
-          </a:xfrm>
-          <a:prstGeom prst="rect">
-            <a:avLst/>
-          </a:prstGeom>
-          <a:ln w="3175"/>
-        </p:spPr>
-        <p:style>
-          <a:lnRef idx="2">
-            <a:schemeClr val="dk1"/>
-          </a:lnRef>
-          <a:fillRef idx="1">
-            <a:schemeClr val="lt1"/>
-          </a:fillRef>
-          <a:effectRef idx="0">
-            <a:schemeClr val="dk1"/>
-          </a:effectRef>
-          <a:fontRef idx="minor">
-            <a:schemeClr val="dk1"/>
-          </a:fontRef>
-        </p:style>
-        <p:txBody>
-          <a:bodyPr rtlCol="0" anchor="ctr"/>
-          <a:lstStyle/>
-          <a:p>
-            <a:pPr algn="ctr"/>
-            <a:r>
-              <a:rPr lang="pt-BR" sz="900"/>
-              <a:t>[N]=(Kg∙m)/s^2 </a:t>
+              <a:rPr lang="pt-BR" sz="900" dirty="0"/>
+              <a:t>[N]=(</a:t>
+            </a:r>
+            <a:r>
+              <a:rPr lang="pt-BR" sz="900" dirty="0" err="1"/>
+              <a:t>Kg∙m</a:t>
+            </a:r>
+            <a:r>
+              <a:rPr lang="pt-BR" sz="900" dirty="0"/>
+              <a:t>)/</a:t>
+            </a:r>
+            <a:r>
+              <a:rPr lang="pt-BR" sz="900" dirty="0" smtClean="0"/>
+              <a:t>s^2 </a:t>
             </a:r>
             <a:endParaRPr lang="pt-BR" sz="900" dirty="0"/>
           </a:p>
@@ -3194,57 +2997,6 @@
             <a:r>
               <a:rPr lang="pt-BR" sz="1000" dirty="0" smtClean="0"/>
               <a:t>sentido</a:t>
-            </a:r>
-            <a:endParaRPr lang="pt-BR" sz="1000" dirty="0"/>
-          </a:p>
-        </p:txBody>
-      </p:sp>
-      <p:sp>
-        <p:nvSpPr>
-          <p:cNvPr id="763" name="Rectángulo 762"/>
-          <p:cNvSpPr/>
-          <p:nvPr/>
-        </p:nvSpPr>
-        <p:spPr>
-          <a:xfrm>
-            <a:off x="1525026" y="5028736"/>
-            <a:ext cx="1094677" cy="883827"/>
-          </a:xfrm>
-          <a:prstGeom prst="rect">
-            <a:avLst/>
-          </a:prstGeom>
-          <a:ln>
-            <a:solidFill>
-              <a:schemeClr val="tx1"/>
-            </a:solidFill>
-          </a:ln>
-        </p:spPr>
-        <p:style>
-          <a:lnRef idx="1">
-            <a:schemeClr val="accent3"/>
-          </a:lnRef>
-          <a:fillRef idx="2">
-            <a:schemeClr val="accent3"/>
-          </a:fillRef>
-          <a:effectRef idx="1">
-            <a:schemeClr val="accent3"/>
-          </a:effectRef>
-          <a:fontRef idx="minor">
-            <a:schemeClr val="dk1"/>
-          </a:fontRef>
-        </p:style>
-        <p:txBody>
-          <a:bodyPr rtlCol="0" anchor="ctr"/>
-          <a:lstStyle/>
-          <a:p>
-            <a:pPr algn="ctr"/>
-            <a:r>
-              <a:rPr lang="es-CO" sz="1000" dirty="0" smtClean="0"/>
-              <a:t>fuerza </a:t>
-            </a:r>
-            <a:r>
-              <a:rPr lang="es-CO" sz="1000" dirty="0"/>
-              <a:t>de atracción que ejerce el planeta Tierra sobre objetos cercanos a su superficie </a:t>
             </a:r>
             <a:endParaRPr lang="pt-BR" sz="1000" dirty="0"/>
           </a:p>
@@ -3528,8 +3280,8 @@
         </p:nvSpPr>
         <p:spPr>
           <a:xfrm>
-            <a:off x="3014436" y="1680184"/>
-            <a:ext cx="992579" cy="230832"/>
+            <a:off x="3022720" y="1680184"/>
+            <a:ext cx="976011" cy="230832"/>
           </a:xfrm>
           <a:prstGeom prst="rect">
             <a:avLst/>
@@ -3544,7 +3296,15 @@
             <a:pPr algn="ctr"/>
             <a:r>
               <a:rPr lang="es-CO" sz="900" dirty="0"/>
-              <a:t>Fuerzas comunes</a:t>
+              <a:t>f</a:t>
+            </a:r>
+            <a:r>
+              <a:rPr lang="es-CO" sz="900" dirty="0" smtClean="0"/>
+              <a:t>uerzas </a:t>
+            </a:r>
+            <a:r>
+              <a:rPr lang="es-CO" sz="900" dirty="0"/>
+              <a:t>comunes</a:t>
             </a:r>
             <a:endParaRPr lang="es-ES" sz="900" dirty="0"/>
           </a:p>
@@ -4165,7 +3925,7 @@
           </a:xfrm>
           <a:prstGeom prst="bentConnector3">
             <a:avLst>
-              <a:gd name="adj1" fmla="val 69200"/>
+              <a:gd name="adj1" fmla="val 50000"/>
             </a:avLst>
           </a:prstGeom>
           <a:ln>
@@ -4205,7 +3965,7 @@
           </a:xfrm>
           <a:prstGeom prst="bentConnector3">
             <a:avLst>
-              <a:gd name="adj1" fmla="val 91408"/>
+              <a:gd name="adj1" fmla="val 50000"/>
             </a:avLst>
           </a:prstGeom>
           <a:ln>
@@ -4245,7 +4005,7 @@
           </a:xfrm>
           <a:prstGeom prst="bentConnector3">
             <a:avLst>
-              <a:gd name="adj1" fmla="val 93257"/>
+              <a:gd name="adj1" fmla="val 50000"/>
             </a:avLst>
           </a:prstGeom>
           <a:ln>
@@ -4729,6 +4489,271 @@
           </a:fontRef>
         </p:style>
       </p:cxnSp>
+      <p:cxnSp>
+        <p:nvCxnSpPr>
+          <p:cNvPr id="7" name="Conector angular 6"/>
+          <p:cNvCxnSpPr>
+            <a:stCxn id="126" idx="2"/>
+            <a:endCxn id="154" idx="0"/>
+          </p:cNvCxnSpPr>
+          <p:nvPr/>
+        </p:nvCxnSpPr>
+        <p:spPr>
+          <a:xfrm rot="16200000" flipH="1">
+            <a:off x="2683381" y="3430892"/>
+            <a:ext cx="581171" cy="2420"/>
+          </a:xfrm>
+          <a:prstGeom prst="bentConnector3">
+            <a:avLst/>
+          </a:prstGeom>
+          <a:ln>
+            <a:solidFill>
+              <a:srgbClr val="000000"/>
+            </a:solidFill>
+          </a:ln>
+        </p:spPr>
+        <p:style>
+          <a:lnRef idx="2">
+            <a:schemeClr val="accent1"/>
+          </a:lnRef>
+          <a:fillRef idx="0">
+            <a:schemeClr val="accent1"/>
+          </a:fillRef>
+          <a:effectRef idx="1">
+            <a:schemeClr val="accent1"/>
+          </a:effectRef>
+          <a:fontRef idx="minor">
+            <a:schemeClr val="tx1"/>
+          </a:fontRef>
+        </p:style>
+      </p:cxnSp>
+      <p:sp>
+        <p:nvSpPr>
+          <p:cNvPr id="80" name="Rectángulo 79"/>
+          <p:cNvSpPr/>
+          <p:nvPr/>
+        </p:nvSpPr>
+        <p:spPr>
+          <a:xfrm>
+            <a:off x="2497873" y="3312019"/>
+            <a:ext cx="944574" cy="230832"/>
+          </a:xfrm>
+          <a:prstGeom prst="rect">
+            <a:avLst/>
+          </a:prstGeom>
+          <a:solidFill>
+            <a:srgbClr val="FFFFFF"/>
+          </a:solidFill>
+        </p:spPr>
+        <p:txBody>
+          <a:bodyPr wrap="square">
+            <a:spAutoFit/>
+          </a:bodyPr>
+          <a:lstStyle/>
+          <a:p>
+            <a:r>
+              <a:rPr lang="pt-BR" sz="900" dirty="0" err="1" smtClean="0">
+                <a:solidFill>
+                  <a:srgbClr val="000000"/>
+                </a:solidFill>
+              </a:rPr>
+              <a:t>Interviene</a:t>
+            </a:r>
+            <a:r>
+              <a:rPr lang="pt-BR" sz="900" dirty="0" smtClean="0">
+                <a:solidFill>
+                  <a:srgbClr val="000000"/>
+                </a:solidFill>
+              </a:rPr>
+              <a:t> </a:t>
+            </a:r>
+            <a:r>
+              <a:rPr lang="pt-BR" sz="900" dirty="0" err="1" smtClean="0">
+                <a:solidFill>
+                  <a:srgbClr val="000000"/>
+                </a:solidFill>
+              </a:rPr>
+              <a:t>en</a:t>
+            </a:r>
+            <a:r>
+              <a:rPr lang="pt-BR" sz="900" dirty="0" smtClean="0">
+                <a:solidFill>
+                  <a:srgbClr val="000000"/>
+                </a:solidFill>
+              </a:rPr>
+              <a:t> </a:t>
+            </a:r>
+            <a:r>
+              <a:rPr lang="pt-BR" sz="900" dirty="0" err="1" smtClean="0">
+                <a:solidFill>
+                  <a:srgbClr val="000000"/>
+                </a:solidFill>
+              </a:rPr>
+              <a:t>la</a:t>
+            </a:r>
+            <a:endParaRPr lang="pt-BR" sz="900" dirty="0">
+              <a:solidFill>
+                <a:srgbClr val="000000"/>
+              </a:solidFill>
+            </a:endParaRPr>
+          </a:p>
+        </p:txBody>
+      </p:sp>
+      <p:sp>
+        <p:nvSpPr>
+          <p:cNvPr id="452" name="Rectángulo 71"/>
+          <p:cNvSpPr/>
+          <p:nvPr/>
+        </p:nvSpPr>
+        <p:spPr>
+          <a:xfrm>
+            <a:off x="2579991" y="2313489"/>
+            <a:ext cx="797821" cy="406163"/>
+          </a:xfrm>
+          <a:prstGeom prst="rect">
+            <a:avLst/>
+          </a:prstGeom>
+          <a:solidFill>
+            <a:schemeClr val="bg2">
+              <a:lumMod val="50000"/>
+            </a:schemeClr>
+          </a:solidFill>
+          <a:ln>
+            <a:solidFill>
+              <a:schemeClr val="tx1"/>
+            </a:solidFill>
+          </a:ln>
+        </p:spPr>
+        <p:style>
+          <a:lnRef idx="2">
+            <a:schemeClr val="accent6"/>
+          </a:lnRef>
+          <a:fillRef idx="1">
+            <a:schemeClr val="lt1"/>
+          </a:fillRef>
+          <a:effectRef idx="0">
+            <a:schemeClr val="accent6"/>
+          </a:effectRef>
+          <a:fontRef idx="minor">
+            <a:schemeClr val="dk1"/>
+          </a:fontRef>
+        </p:style>
+        <p:txBody>
+          <a:bodyPr rtlCol="0" anchor="ctr"/>
+          <a:lstStyle/>
+          <a:p>
+            <a:pPr algn="ctr"/>
+            <a:r>
+              <a:rPr lang="es-CO" sz="1100" dirty="0">
+                <a:solidFill>
+                  <a:schemeClr val="bg1"/>
+                </a:solidFill>
+              </a:rPr>
+              <a:t>f</a:t>
+            </a:r>
+            <a:r>
+              <a:rPr lang="es-CO" sz="1100" dirty="0" smtClean="0">
+                <a:solidFill>
+                  <a:schemeClr val="bg1"/>
+                </a:solidFill>
+              </a:rPr>
+              <a:t>uerza </a:t>
+            </a:r>
+            <a:r>
+              <a:rPr lang="es-CO" sz="1100" dirty="0">
+                <a:solidFill>
+                  <a:schemeClr val="bg1"/>
+                </a:solidFill>
+              </a:rPr>
+              <a:t>a</a:t>
+            </a:r>
+            <a:r>
+              <a:rPr lang="es-CO" sz="1100" dirty="0" smtClean="0">
+                <a:solidFill>
+                  <a:schemeClr val="bg1"/>
+                </a:solidFill>
+              </a:rPr>
+              <a:t>plicada</a:t>
+            </a:r>
+            <a:endParaRPr lang="es-ES" sz="1100" dirty="0">
+              <a:solidFill>
+                <a:schemeClr val="bg1"/>
+              </a:solidFill>
+            </a:endParaRPr>
+          </a:p>
+        </p:txBody>
+      </p:sp>
+      <p:sp>
+        <p:nvSpPr>
+          <p:cNvPr id="146" name="Rectángulo 43"/>
+          <p:cNvSpPr/>
+          <p:nvPr/>
+        </p:nvSpPr>
+        <p:spPr>
+          <a:xfrm>
+            <a:off x="3648223" y="2419464"/>
+            <a:ext cx="655000" cy="256669"/>
+          </a:xfrm>
+          <a:prstGeom prst="rect">
+            <a:avLst/>
+          </a:prstGeom>
+          <a:solidFill>
+            <a:schemeClr val="bg2">
+              <a:lumMod val="50000"/>
+            </a:schemeClr>
+          </a:solidFill>
+          <a:ln>
+            <a:solidFill>
+              <a:schemeClr val="tx1"/>
+            </a:solidFill>
+          </a:ln>
+        </p:spPr>
+        <p:style>
+          <a:lnRef idx="2">
+            <a:schemeClr val="accent6"/>
+          </a:lnRef>
+          <a:fillRef idx="1">
+            <a:schemeClr val="lt1"/>
+          </a:fillRef>
+          <a:effectRef idx="0">
+            <a:schemeClr val="accent6"/>
+          </a:effectRef>
+          <a:fontRef idx="minor">
+            <a:schemeClr val="dk1"/>
+          </a:fontRef>
+        </p:style>
+        <p:txBody>
+          <a:bodyPr rtlCol="0" anchor="ctr"/>
+          <a:lstStyle/>
+          <a:p>
+            <a:pPr algn="ctr"/>
+            <a:endParaRPr lang="es-ES" sz="1600" baseline="30000" dirty="0" smtClean="0">
+              <a:solidFill>
+                <a:schemeClr val="bg1"/>
+              </a:solidFill>
+            </a:endParaRPr>
+          </a:p>
+          <a:p>
+            <a:pPr algn="ctr"/>
+            <a:r>
+              <a:rPr lang="es-ES" sz="1600" baseline="30000" dirty="0">
+                <a:solidFill>
+                  <a:schemeClr val="bg1"/>
+                </a:solidFill>
+              </a:rPr>
+              <a:t>p</a:t>
+            </a:r>
+            <a:r>
+              <a:rPr lang="es-ES" sz="1600" baseline="30000" dirty="0" smtClean="0">
+                <a:solidFill>
+                  <a:schemeClr val="bg1"/>
+                </a:solidFill>
+              </a:rPr>
+              <a:t>eso</a:t>
+            </a:r>
+          </a:p>
+        </p:txBody>
+      </p:sp>
     </p:spTree>
     <p:extLst>
       <p:ext uri="{BB962C8B-B14F-4D97-AF65-F5344CB8AC3E}">

--- a/fuentes/contenidos/grado10/guion04/CN_10_04.pptx
+++ b/fuentes/contenidos/grado10/guion04/CN_10_04.pptx
@@ -106,7 +106,7 @@
   </p:defaultTextStyle>
   <p:extLst>
     <p:ext uri="{EFAFB233-063F-42B5-8137-9DF3F51BA10A}">
-      <p15:sldGuideLst xmlns:p15="http://schemas.microsoft.com/office/powerpoint/2012/main" xmlns="">
+      <p15:sldGuideLst xmlns:p15="http://schemas.microsoft.com/office/powerpoint/2012/main">
         <p15:guide id="1" orient="horz" pos="2160">
           <p15:clr>
             <a:srgbClr val="A4A3A4"/>
@@ -153,7 +153,7 @@
   <p:timing>
     <p:tnLst>
       <p:par>
-        <p:cTn xmlns:p14="http://schemas.microsoft.com/office/powerpoint/2010/main" id="1" dur="indefinite" restart="never" nodeType="tmRoot"/>
+        <p:cTn id="1" dur="indefinite" restart="never" nodeType="tmRoot"/>
       </p:par>
     </p:tnLst>
   </p:timing>
@@ -190,7 +190,7 @@
   <p:timing>
     <p:tnLst>
       <p:par>
-        <p:cTn xmlns:p14="http://schemas.microsoft.com/office/powerpoint/2010/main" id="1" dur="indefinite" restart="never" nodeType="tmRoot"/>
+        <p:cTn id="1" dur="indefinite" restart="never" nodeType="tmRoot"/>
       </p:par>
     </p:tnLst>
   </p:timing>
@@ -227,7 +227,7 @@
   <p:timing>
     <p:tnLst>
       <p:par>
-        <p:cTn xmlns:p14="http://schemas.microsoft.com/office/powerpoint/2010/main" id="1" dur="indefinite" restart="never" nodeType="tmRoot"/>
+        <p:cTn id="1" dur="indefinite" restart="never" nodeType="tmRoot"/>
       </p:par>
     </p:tnLst>
   </p:timing>
@@ -264,7 +264,7 @@
   <p:timing>
     <p:tnLst>
       <p:par>
-        <p:cTn xmlns:p14="http://schemas.microsoft.com/office/powerpoint/2010/main" id="1" dur="indefinite" restart="never" nodeType="tmRoot"/>
+        <p:cTn id="1" dur="indefinite" restart="never" nodeType="tmRoot"/>
       </p:par>
     </p:tnLst>
   </p:timing>
@@ -301,7 +301,7 @@
   <p:timing>
     <p:tnLst>
       <p:par>
-        <p:cTn xmlns:p14="http://schemas.microsoft.com/office/powerpoint/2010/main" id="1" dur="indefinite" restart="never" nodeType="tmRoot"/>
+        <p:cTn id="1" dur="indefinite" restart="never" nodeType="tmRoot"/>
       </p:par>
     </p:tnLst>
   </p:timing>
@@ -338,7 +338,7 @@
   <p:timing>
     <p:tnLst>
       <p:par>
-        <p:cTn xmlns:p14="http://schemas.microsoft.com/office/powerpoint/2010/main" id="1" dur="indefinite" restart="never" nodeType="tmRoot"/>
+        <p:cTn id="1" dur="indefinite" restart="never" nodeType="tmRoot"/>
       </p:par>
     </p:tnLst>
   </p:timing>
@@ -375,7 +375,7 @@
   <p:timing>
     <p:tnLst>
       <p:par>
-        <p:cTn xmlns:p14="http://schemas.microsoft.com/office/powerpoint/2010/main" id="1" dur="indefinite" restart="never" nodeType="tmRoot"/>
+        <p:cTn id="1" dur="indefinite" restart="never" nodeType="tmRoot"/>
       </p:par>
     </p:tnLst>
   </p:timing>
@@ -412,7 +412,7 @@
   <p:timing>
     <p:tnLst>
       <p:par>
-        <p:cTn xmlns:p14="http://schemas.microsoft.com/office/powerpoint/2010/main" id="1" dur="indefinite" restart="never" nodeType="tmRoot"/>
+        <p:cTn id="1" dur="indefinite" restart="never" nodeType="tmRoot"/>
       </p:par>
     </p:tnLst>
   </p:timing>
@@ -461,7 +461,7 @@
           <a:p>
             <a:fld id="{5001C876-01F7-4317-94B9-1AE222133113}" type="datetimeFigureOut">
               <a:rPr lang="es-ES" smtClean="0"/>
-              <a:t>14/09/15</a:t>
+              <a:t>22/09/2015</a:t>
             </a:fld>
             <a:endParaRPr lang="es-ES"/>
           </a:p>
@@ -519,7 +519,7 @@
           <a:p>
             <a:fld id="{58140F73-F5A2-4B82-A2FA-BF1850CF1309}" type="slidenum">
               <a:rPr lang="es-ES" smtClean="0"/>
-              <a:t>‹Nr.›</a:t>
+              <a:t>‹Nº›</a:t>
             </a:fld>
             <a:endParaRPr lang="es-ES"/>
           </a:p>
@@ -538,7 +538,7 @@
   <p:timing>
     <p:tnLst>
       <p:par>
-        <p:cTn xmlns:p14="http://schemas.microsoft.com/office/powerpoint/2010/main" id="1" dur="indefinite" restart="never" nodeType="tmRoot"/>
+        <p:cTn id="1" dur="indefinite" restart="never" nodeType="tmRoot"/>
       </p:par>
     </p:tnLst>
   </p:timing>
@@ -575,7 +575,7 @@
   <p:timing>
     <p:tnLst>
       <p:par>
-        <p:cTn xmlns:p14="http://schemas.microsoft.com/office/powerpoint/2010/main" id="1" dur="indefinite" restart="never" nodeType="tmRoot"/>
+        <p:cTn id="1" dur="indefinite" restart="never" nodeType="tmRoot"/>
       </p:par>
     </p:tnLst>
   </p:timing>
@@ -612,7 +612,7 @@
   <p:timing>
     <p:tnLst>
       <p:par>
-        <p:cTn xmlns:p14="http://schemas.microsoft.com/office/powerpoint/2010/main" id="1" dur="indefinite" restart="never" nodeType="tmRoot"/>
+        <p:cTn id="1" dur="indefinite" restart="never" nodeType="tmRoot"/>
       </p:par>
     </p:tnLst>
   </p:timing>
@@ -725,7 +725,7 @@
   <p:timing>
     <p:tnLst>
       <p:par>
-        <p:cTn xmlns:p14="http://schemas.microsoft.com/office/powerpoint/2010/main" id="1" dur="indefinite" restart="never" nodeType="tmRoot"/>
+        <p:cTn id="1" dur="indefinite" restart="never" nodeType="tmRoot"/>
       </p:par>
     </p:tnLst>
   </p:timing>
@@ -1934,10 +1934,29 @@
           <a:lstStyle/>
           <a:p>
             <a:r>
-              <a:rPr lang="pt-BR" sz="900"/>
-              <a:t>plantea las Leyes para</a:t>
-            </a:r>
-            <a:endParaRPr lang="pt-BR" sz="900" dirty="0"/>
+              <a:rPr lang="pt-BR" sz="900" dirty="0" err="1"/>
+              <a:t>plantea</a:t>
+            </a:r>
+            <a:r>
+              <a:rPr lang="pt-BR" sz="900" dirty="0"/>
+              <a:t> </a:t>
+            </a:r>
+            <a:r>
+              <a:rPr lang="pt-BR" sz="900" dirty="0" err="1"/>
+              <a:t>las</a:t>
+            </a:r>
+            <a:r>
+              <a:rPr lang="pt-BR" sz="900" dirty="0"/>
+              <a:t> </a:t>
+            </a:r>
+            <a:r>
+              <a:rPr lang="pt-BR" sz="900" dirty="0" err="1"/>
+              <a:t>Leyes</a:t>
+            </a:r>
+            <a:r>
+              <a:rPr lang="pt-BR" sz="900" dirty="0"/>
+              <a:t> para</a:t>
+            </a:r>
           </a:p>
         </p:txBody>
       </p:sp>
@@ -4754,7 +4773,7 @@
   <p:timing>
     <p:tnLst>
       <p:par>
-        <p:cTn xmlns:p14="http://schemas.microsoft.com/office/powerpoint/2010/main" id="1" dur="indefinite" restart="never" nodeType="tmRoot"/>
+        <p:cTn id="1" dur="indefinite" restart="never" nodeType="tmRoot"/>
       </p:par>
     </p:tnLst>
   </p:timing>
@@ -5016,7 +5035,7 @@
   <a:extraClrSchemeLst/>
   <a:extLst>
     <a:ext uri="{05A4C25C-085E-4340-85A3-A5531E510DB2}">
-      <thm15:themeFamily xmlns:thm15="http://schemas.microsoft.com/office/thememl/2012/main" xmlns="" name="Office Theme" id="{62F939B6-93AF-4DB8-9C6B-D6C7DFDC589F}" vid="{4A3C46E8-61CC-4603-A589-7422A47A8E4A}"/>
+      <thm15:themeFamily xmlns:thm15="http://schemas.microsoft.com/office/thememl/2012/main" name="Office Theme" id="{62F939B6-93AF-4DB8-9C6B-D6C7DFDC589F}" vid="{4A3C46E8-61CC-4603-A589-7422A47A8E4A}"/>
     </a:ext>
   </a:extLst>
 </a:theme>

--- a/fuentes/contenidos/grado10/guion04/CN_10_04.pptx
+++ b/fuentes/contenidos/grado10/guion04/CN_10_04.pptx
@@ -107,6 +107,22 @@
       </a:defRPr>
     </a:lvl9pPr>
   </p:defaultTextStyle>
+  <p:extLst>
+    <p:ext uri="{EFAFB233-063F-42B5-8137-9DF3F51BA10A}">
+      <p15:sldGuideLst xmlns:p15="http://schemas.microsoft.com/office/powerpoint/2012/main">
+        <p15:guide id="1" orient="horz" pos="2387">
+          <p15:clr>
+            <a:srgbClr val="A4A3A4"/>
+          </p15:clr>
+        </p15:guide>
+        <p15:guide id="2" pos="2925">
+          <p15:clr>
+            <a:srgbClr val="A4A3A4"/>
+          </p15:clr>
+        </p15:guide>
+      </p15:sldGuideLst>
+    </p:ext>
+  </p:extLst>
 </p:presentation>
 </file>
 
@@ -192,7 +208,7 @@
           <a:p>
             <a:fld id="{13FC2613-885A-42B7-95B0-D15F64EE6B8E}" type="datetimeFigureOut">
               <a:rPr lang="es-ES" smtClean="0"/>
-              <a:t>30/09/15</a:t>
+              <a:t>18/05/2016</a:t>
             </a:fld>
             <a:endParaRPr lang="es-ES"/>
           </a:p>
@@ -351,7 +367,7 @@
           <a:p>
             <a:fld id="{1E32B3D2-4C30-45DF-A931-537FC7D9A9E9}" type="slidenum">
               <a:rPr lang="es-ES" smtClean="0"/>
-              <a:t>‹Nr.›</a:t>
+              <a:t>‹Nº›</a:t>
             </a:fld>
             <a:endParaRPr lang="es-ES"/>
           </a:p>
@@ -725,7 +741,7 @@
           <a:p>
             <a:fld id="{A2FD91B1-B84D-4484-9B98-D3CC6C54B2F9}" type="datetimeFigureOut">
               <a:rPr lang="es-ES" smtClean="0"/>
-              <a:t>30/09/15</a:t>
+              <a:t>18/05/2016</a:t>
             </a:fld>
             <a:endParaRPr lang="es-ES"/>
           </a:p>
@@ -767,7 +783,7 @@
           <a:p>
             <a:fld id="{BDF0566A-A628-4F4F-99D1-E768FBE2F676}" type="slidenum">
               <a:rPr lang="es-ES" smtClean="0"/>
-              <a:t>‹Nr.›</a:t>
+              <a:t>‹Nº›</a:t>
             </a:fld>
             <a:endParaRPr lang="es-ES"/>
           </a:p>
@@ -895,7 +911,7 @@
           <a:p>
             <a:fld id="{A2FD91B1-B84D-4484-9B98-D3CC6C54B2F9}" type="datetimeFigureOut">
               <a:rPr lang="es-ES" smtClean="0"/>
-              <a:t>30/09/15</a:t>
+              <a:t>18/05/2016</a:t>
             </a:fld>
             <a:endParaRPr lang="es-ES"/>
           </a:p>
@@ -937,7 +953,7 @@
           <a:p>
             <a:fld id="{BDF0566A-A628-4F4F-99D1-E768FBE2F676}" type="slidenum">
               <a:rPr lang="es-ES" smtClean="0"/>
-              <a:t>‹Nr.›</a:t>
+              <a:t>‹Nº›</a:t>
             </a:fld>
             <a:endParaRPr lang="es-ES"/>
           </a:p>
@@ -1075,7 +1091,7 @@
           <a:p>
             <a:fld id="{A2FD91B1-B84D-4484-9B98-D3CC6C54B2F9}" type="datetimeFigureOut">
               <a:rPr lang="es-ES" smtClean="0"/>
-              <a:t>30/09/15</a:t>
+              <a:t>18/05/2016</a:t>
             </a:fld>
             <a:endParaRPr lang="es-ES"/>
           </a:p>
@@ -1117,7 +1133,7 @@
           <a:p>
             <a:fld id="{BDF0566A-A628-4F4F-99D1-E768FBE2F676}" type="slidenum">
               <a:rPr lang="es-ES" smtClean="0"/>
-              <a:t>‹Nr.›</a:t>
+              <a:t>‹Nº›</a:t>
             </a:fld>
             <a:endParaRPr lang="es-ES"/>
           </a:p>
@@ -1245,7 +1261,7 @@
           <a:p>
             <a:fld id="{A2FD91B1-B84D-4484-9B98-D3CC6C54B2F9}" type="datetimeFigureOut">
               <a:rPr lang="es-ES" smtClean="0"/>
-              <a:t>30/09/15</a:t>
+              <a:t>18/05/2016</a:t>
             </a:fld>
             <a:endParaRPr lang="es-ES"/>
           </a:p>
@@ -1287,7 +1303,7 @@
           <a:p>
             <a:fld id="{BDF0566A-A628-4F4F-99D1-E768FBE2F676}" type="slidenum">
               <a:rPr lang="es-ES" smtClean="0"/>
-              <a:t>‹Nr.›</a:t>
+              <a:t>‹Nº›</a:t>
             </a:fld>
             <a:endParaRPr lang="es-ES"/>
           </a:p>
@@ -1491,7 +1507,7 @@
           <a:p>
             <a:fld id="{A2FD91B1-B84D-4484-9B98-D3CC6C54B2F9}" type="datetimeFigureOut">
               <a:rPr lang="es-ES" smtClean="0"/>
-              <a:t>30/09/15</a:t>
+              <a:t>18/05/2016</a:t>
             </a:fld>
             <a:endParaRPr lang="es-ES"/>
           </a:p>
@@ -1533,7 +1549,7 @@
           <a:p>
             <a:fld id="{BDF0566A-A628-4F4F-99D1-E768FBE2F676}" type="slidenum">
               <a:rPr lang="es-ES" smtClean="0"/>
-              <a:t>‹Nr.›</a:t>
+              <a:t>‹Nº›</a:t>
             </a:fld>
             <a:endParaRPr lang="es-ES"/>
           </a:p>
@@ -1779,7 +1795,7 @@
           <a:p>
             <a:fld id="{A2FD91B1-B84D-4484-9B98-D3CC6C54B2F9}" type="datetimeFigureOut">
               <a:rPr lang="es-ES" smtClean="0"/>
-              <a:t>30/09/15</a:t>
+              <a:t>18/05/2016</a:t>
             </a:fld>
             <a:endParaRPr lang="es-ES"/>
           </a:p>
@@ -1821,7 +1837,7 @@
           <a:p>
             <a:fld id="{BDF0566A-A628-4F4F-99D1-E768FBE2F676}" type="slidenum">
               <a:rPr lang="es-ES" smtClean="0"/>
-              <a:t>‹Nr.›</a:t>
+              <a:t>‹Nº›</a:t>
             </a:fld>
             <a:endParaRPr lang="es-ES"/>
           </a:p>
@@ -2201,7 +2217,7 @@
           <a:p>
             <a:fld id="{A2FD91B1-B84D-4484-9B98-D3CC6C54B2F9}" type="datetimeFigureOut">
               <a:rPr lang="es-ES" smtClean="0"/>
-              <a:t>30/09/15</a:t>
+              <a:t>18/05/2016</a:t>
             </a:fld>
             <a:endParaRPr lang="es-ES"/>
           </a:p>
@@ -2243,7 +2259,7 @@
           <a:p>
             <a:fld id="{BDF0566A-A628-4F4F-99D1-E768FBE2F676}" type="slidenum">
               <a:rPr lang="es-ES" smtClean="0"/>
-              <a:t>‹Nr.›</a:t>
+              <a:t>‹Nº›</a:t>
             </a:fld>
             <a:endParaRPr lang="es-ES"/>
           </a:p>
@@ -2319,7 +2335,7 @@
           <a:p>
             <a:fld id="{A2FD91B1-B84D-4484-9B98-D3CC6C54B2F9}" type="datetimeFigureOut">
               <a:rPr lang="es-ES" smtClean="0"/>
-              <a:t>30/09/15</a:t>
+              <a:t>18/05/2016</a:t>
             </a:fld>
             <a:endParaRPr lang="es-ES"/>
           </a:p>
@@ -2361,7 +2377,7 @@
           <a:p>
             <a:fld id="{BDF0566A-A628-4F4F-99D1-E768FBE2F676}" type="slidenum">
               <a:rPr lang="es-ES" smtClean="0"/>
-              <a:t>‹Nr.›</a:t>
+              <a:t>‹Nº›</a:t>
             </a:fld>
             <a:endParaRPr lang="es-ES"/>
           </a:p>
@@ -2414,7 +2430,7 @@
           <a:p>
             <a:fld id="{A2FD91B1-B84D-4484-9B98-D3CC6C54B2F9}" type="datetimeFigureOut">
               <a:rPr lang="es-ES" smtClean="0"/>
-              <a:t>30/09/15</a:t>
+              <a:t>18/05/2016</a:t>
             </a:fld>
             <a:endParaRPr lang="es-ES"/>
           </a:p>
@@ -2456,7 +2472,7 @@
           <a:p>
             <a:fld id="{BDF0566A-A628-4F4F-99D1-E768FBE2F676}" type="slidenum">
               <a:rPr lang="es-ES" smtClean="0"/>
-              <a:t>‹Nr.›</a:t>
+              <a:t>‹Nº›</a:t>
             </a:fld>
             <a:endParaRPr lang="es-ES"/>
           </a:p>
@@ -2691,7 +2707,7 @@
           <a:p>
             <a:fld id="{A2FD91B1-B84D-4484-9B98-D3CC6C54B2F9}" type="datetimeFigureOut">
               <a:rPr lang="es-ES" smtClean="0"/>
-              <a:t>30/09/15</a:t>
+              <a:t>18/05/2016</a:t>
             </a:fld>
             <a:endParaRPr lang="es-ES"/>
           </a:p>
@@ -2733,7 +2749,7 @@
           <a:p>
             <a:fld id="{BDF0566A-A628-4F4F-99D1-E768FBE2F676}" type="slidenum">
               <a:rPr lang="es-ES" smtClean="0"/>
-              <a:t>‹Nr.›</a:t>
+              <a:t>‹Nº›</a:t>
             </a:fld>
             <a:endParaRPr lang="es-ES"/>
           </a:p>
@@ -2944,7 +2960,7 @@
           <a:p>
             <a:fld id="{A2FD91B1-B84D-4484-9B98-D3CC6C54B2F9}" type="datetimeFigureOut">
               <a:rPr lang="es-ES" smtClean="0"/>
-              <a:t>30/09/15</a:t>
+              <a:t>18/05/2016</a:t>
             </a:fld>
             <a:endParaRPr lang="es-ES"/>
           </a:p>
@@ -2986,7 +3002,7 @@
           <a:p>
             <a:fld id="{BDF0566A-A628-4F4F-99D1-E768FBE2F676}" type="slidenum">
               <a:rPr lang="es-ES" smtClean="0"/>
-              <a:t>‹Nr.›</a:t>
+              <a:t>‹Nº›</a:t>
             </a:fld>
             <a:endParaRPr lang="es-ES"/>
           </a:p>
@@ -3157,7 +3173,7 @@
           <a:p>
             <a:fld id="{A2FD91B1-B84D-4484-9B98-D3CC6C54B2F9}" type="datetimeFigureOut">
               <a:rPr lang="es-ES" smtClean="0"/>
-              <a:t>30/09/15</a:t>
+              <a:t>18/05/2016</a:t>
             </a:fld>
             <a:endParaRPr lang="es-ES"/>
           </a:p>
@@ -3235,7 +3251,7 @@
           <a:p>
             <a:fld id="{BDF0566A-A628-4F4F-99D1-E768FBE2F676}" type="slidenum">
               <a:rPr lang="es-ES" smtClean="0"/>
-              <a:t>‹Nr.›</a:t>
+              <a:t>‹Nº›</a:t>
             </a:fld>
             <a:endParaRPr lang="es-ES"/>
           </a:p>
